--- a/near_dev_experience.pptx
+++ b/near_dev_experience.pptx
@@ -5213,12 +5213,8 @@
           <a:lstStyle/>
           <a:p>
             <a:r>
-              <a:rPr lang="en-US"/>
-              <a:t>What “book reviews” </a:t>
-            </a:r>
-            <a:r>
               <a:rPr lang="en-US" dirty="0"/>
-              <a:t>do</a:t>
+              <a:t>What “book reviews” do</a:t>
             </a:r>
           </a:p>
         </p:txBody>
@@ -5361,13 +5357,6 @@
             <a:pPr lvl="1"/>
             <a:r>
               <a:rPr lang="en-US" dirty="0"/>
-              <a:t>Books/reviews ordered with the most upvote at first</a:t>
-            </a:r>
-          </a:p>
-          <a:p>
-            <a:pPr lvl="1"/>
-            <a:r>
-              <a:rPr lang="en-US" dirty="0"/>
               <a:t>Donate for reviewer with a good review</a:t>
             </a:r>
           </a:p>
@@ -5470,7 +5459,7 @@
           <a:p>
             <a:r>
               <a:rPr lang="en-US" dirty="0"/>
-              <a:t>Buy books every month base on the vote of community</a:t>
+              <a:t>Buy books every month base on the vote of the community</a:t>
             </a:r>
           </a:p>
           <a:p>

--- a/near_dev_experience.pptx
+++ b/near_dev_experience.pptx
@@ -6,20 +6,21 @@
   </p:sldMasterIdLst>
   <p:sldIdLst>
     <p:sldId id="266" r:id="rId2"/>
-    <p:sldId id="267" r:id="rId3"/>
-    <p:sldId id="268" r:id="rId4"/>
-    <p:sldId id="269" r:id="rId5"/>
-    <p:sldId id="270" r:id="rId6"/>
-    <p:sldId id="258" r:id="rId7"/>
-    <p:sldId id="259" r:id="rId8"/>
-    <p:sldId id="260" r:id="rId9"/>
-    <p:sldId id="261" r:id="rId10"/>
-    <p:sldId id="262" r:id="rId11"/>
-    <p:sldId id="263" r:id="rId12"/>
-    <p:sldId id="264" r:id="rId13"/>
-    <p:sldId id="257" r:id="rId14"/>
-    <p:sldId id="256" r:id="rId15"/>
-    <p:sldId id="265" r:id="rId16"/>
+    <p:sldId id="271" r:id="rId3"/>
+    <p:sldId id="267" r:id="rId4"/>
+    <p:sldId id="268" r:id="rId5"/>
+    <p:sldId id="269" r:id="rId6"/>
+    <p:sldId id="270" r:id="rId7"/>
+    <p:sldId id="258" r:id="rId8"/>
+    <p:sldId id="259" r:id="rId9"/>
+    <p:sldId id="260" r:id="rId10"/>
+    <p:sldId id="261" r:id="rId11"/>
+    <p:sldId id="262" r:id="rId12"/>
+    <p:sldId id="263" r:id="rId13"/>
+    <p:sldId id="264" r:id="rId14"/>
+    <p:sldId id="257" r:id="rId15"/>
+    <p:sldId id="256" r:id="rId16"/>
+    <p:sldId id="265" r:id="rId17"/>
   </p:sldIdLst>
   <p:sldSz cx="12192000" cy="6858000"/>
   <p:notesSz cx="6858000" cy="9144000"/>
@@ -118,6 +119,11 @@
       </a:defRPr>
     </a:lvl9pPr>
   </p:defaultTextStyle>
+  <p:extLst>
+    <p:ext uri="{EFAFB233-063F-42B5-8137-9DF3F51BA10A}">
+      <p15:sldGuideLst xmlns:p15="http://schemas.microsoft.com/office/powerpoint/2012/main"/>
+    </p:ext>
+  </p:extLst>
 </p:presentation>
 </file>
 
@@ -268,7 +274,7 @@
           <a:p>
             <a:fld id="{F00BE645-84B7-4BB6-B93A-F462A49BAD92}" type="datetimeFigureOut">
               <a:rPr lang="en-US" smtClean="0"/>
-              <a:t>9/12/2021</a:t>
+              <a:t>9/18/2021</a:t>
             </a:fld>
             <a:endParaRPr lang="en-US"/>
           </a:p>
@@ -466,7 +472,7 @@
           <a:p>
             <a:fld id="{F00BE645-84B7-4BB6-B93A-F462A49BAD92}" type="datetimeFigureOut">
               <a:rPr lang="en-US" smtClean="0"/>
-              <a:t>9/12/2021</a:t>
+              <a:t>9/18/2021</a:t>
             </a:fld>
             <a:endParaRPr lang="en-US"/>
           </a:p>
@@ -674,7 +680,7 @@
           <a:p>
             <a:fld id="{F00BE645-84B7-4BB6-B93A-F462A49BAD92}" type="datetimeFigureOut">
               <a:rPr lang="en-US" smtClean="0"/>
-              <a:t>9/12/2021</a:t>
+              <a:t>9/18/2021</a:t>
             </a:fld>
             <a:endParaRPr lang="en-US"/>
           </a:p>
@@ -872,7 +878,7 @@
           <a:p>
             <a:fld id="{F00BE645-84B7-4BB6-B93A-F462A49BAD92}" type="datetimeFigureOut">
               <a:rPr lang="en-US" smtClean="0"/>
-              <a:t>9/12/2021</a:t>
+              <a:t>9/18/2021</a:t>
             </a:fld>
             <a:endParaRPr lang="en-US"/>
           </a:p>
@@ -1147,7 +1153,7 @@
           <a:p>
             <a:fld id="{F00BE645-84B7-4BB6-B93A-F462A49BAD92}" type="datetimeFigureOut">
               <a:rPr lang="en-US" smtClean="0"/>
-              <a:t>9/12/2021</a:t>
+              <a:t>9/18/2021</a:t>
             </a:fld>
             <a:endParaRPr lang="en-US"/>
           </a:p>
@@ -1412,7 +1418,7 @@
           <a:p>
             <a:fld id="{F00BE645-84B7-4BB6-B93A-F462A49BAD92}" type="datetimeFigureOut">
               <a:rPr lang="en-US" smtClean="0"/>
-              <a:t>9/12/2021</a:t>
+              <a:t>9/18/2021</a:t>
             </a:fld>
             <a:endParaRPr lang="en-US"/>
           </a:p>
@@ -1824,7 +1830,7 @@
           <a:p>
             <a:fld id="{F00BE645-84B7-4BB6-B93A-F462A49BAD92}" type="datetimeFigureOut">
               <a:rPr lang="en-US" smtClean="0"/>
-              <a:t>9/12/2021</a:t>
+              <a:t>9/18/2021</a:t>
             </a:fld>
             <a:endParaRPr lang="en-US"/>
           </a:p>
@@ -1965,7 +1971,7 @@
           <a:p>
             <a:fld id="{F00BE645-84B7-4BB6-B93A-F462A49BAD92}" type="datetimeFigureOut">
               <a:rPr lang="en-US" smtClean="0"/>
-              <a:t>9/12/2021</a:t>
+              <a:t>9/18/2021</a:t>
             </a:fld>
             <a:endParaRPr lang="en-US"/>
           </a:p>
@@ -2078,7 +2084,7 @@
           <a:p>
             <a:fld id="{F00BE645-84B7-4BB6-B93A-F462A49BAD92}" type="datetimeFigureOut">
               <a:rPr lang="en-US" smtClean="0"/>
-              <a:t>9/12/2021</a:t>
+              <a:t>9/18/2021</a:t>
             </a:fld>
             <a:endParaRPr lang="en-US"/>
           </a:p>
@@ -2389,7 +2395,7 @@
           <a:p>
             <a:fld id="{F00BE645-84B7-4BB6-B93A-F462A49BAD92}" type="datetimeFigureOut">
               <a:rPr lang="en-US" smtClean="0"/>
-              <a:t>9/12/2021</a:t>
+              <a:t>9/18/2021</a:t>
             </a:fld>
             <a:endParaRPr lang="en-US"/>
           </a:p>
@@ -2677,7 +2683,7 @@
           <a:p>
             <a:fld id="{F00BE645-84B7-4BB6-B93A-F462A49BAD92}" type="datetimeFigureOut">
               <a:rPr lang="en-US" smtClean="0"/>
-              <a:t>9/12/2021</a:t>
+              <a:t>9/18/2021</a:t>
             </a:fld>
             <a:endParaRPr lang="en-US"/>
           </a:p>
@@ -2918,7 +2924,7 @@
           <a:p>
             <a:fld id="{F00BE645-84B7-4BB6-B93A-F462A49BAD92}" type="datetimeFigureOut">
               <a:rPr lang="en-US" smtClean="0"/>
-              <a:t>9/12/2021</a:t>
+              <a:t>9/18/2021</a:t>
             </a:fld>
             <a:endParaRPr lang="en-US"/>
           </a:p>
@@ -3337,104 +3343,6 @@
       </p:grpSpPr>
       <p:sp>
         <p:nvSpPr>
-          <p:cNvPr id="11" name="Rectangle 10">
-            <a:extLst>
-              <a:ext uri="{FF2B5EF4-FFF2-40B4-BE49-F238E27FC236}">
-                <a16:creationId xmlns:a16="http://schemas.microsoft.com/office/drawing/2014/main" id="{19A4E771-773C-46F2-827E-3C8C81DB01C9}"/>
-              </a:ext>
-            </a:extLst>
-          </p:cNvPr>
-          <p:cNvSpPr/>
-          <p:nvPr/>
-        </p:nvSpPr>
-        <p:spPr>
-          <a:xfrm>
-            <a:off x="7337733" y="1560298"/>
-            <a:ext cx="3450210" cy="4920793"/>
-          </a:xfrm>
-          <a:prstGeom prst="rect">
-            <a:avLst/>
-          </a:prstGeom>
-        </p:spPr>
-        <p:style>
-          <a:lnRef idx="2">
-            <a:schemeClr val="accent1">
-              <a:shade val="50000"/>
-            </a:schemeClr>
-          </a:lnRef>
-          <a:fillRef idx="1">
-            <a:schemeClr val="accent1"/>
-          </a:fillRef>
-          <a:effectRef idx="0">
-            <a:schemeClr val="accent1"/>
-          </a:effectRef>
-          <a:fontRef idx="minor">
-            <a:schemeClr val="lt1"/>
-          </a:fontRef>
-        </p:style>
-        <p:txBody>
-          <a:bodyPr rtlCol="0" anchor="t"/>
-          <a:lstStyle/>
-          <a:p>
-            <a:pPr algn="ctr"/>
-            <a:r>
-              <a:rPr lang="en-US" dirty="0"/>
-              <a:t>Reality</a:t>
-            </a:r>
-          </a:p>
-        </p:txBody>
-      </p:sp>
-      <p:sp>
-        <p:nvSpPr>
-          <p:cNvPr id="5" name="Rectangle 4">
-            <a:extLst>
-              <a:ext uri="{FF2B5EF4-FFF2-40B4-BE49-F238E27FC236}">
-                <a16:creationId xmlns:a16="http://schemas.microsoft.com/office/drawing/2014/main" id="{C1BFD3E7-8A70-4E4F-A177-FC0D647BEDF4}"/>
-              </a:ext>
-            </a:extLst>
-          </p:cNvPr>
-          <p:cNvSpPr/>
-          <p:nvPr/>
-        </p:nvSpPr>
-        <p:spPr>
-          <a:xfrm>
-            <a:off x="1582917" y="1560298"/>
-            <a:ext cx="3450210" cy="4920793"/>
-          </a:xfrm>
-          <a:prstGeom prst="rect">
-            <a:avLst/>
-          </a:prstGeom>
-        </p:spPr>
-        <p:style>
-          <a:lnRef idx="2">
-            <a:schemeClr val="accent1">
-              <a:shade val="50000"/>
-            </a:schemeClr>
-          </a:lnRef>
-          <a:fillRef idx="1">
-            <a:schemeClr val="accent1"/>
-          </a:fillRef>
-          <a:effectRef idx="0">
-            <a:schemeClr val="accent1"/>
-          </a:effectRef>
-          <a:fontRef idx="minor">
-            <a:schemeClr val="lt1"/>
-          </a:fontRef>
-        </p:style>
-        <p:txBody>
-          <a:bodyPr rtlCol="0" anchor="t"/>
-          <a:lstStyle/>
-          <a:p>
-            <a:pPr algn="ctr"/>
-            <a:r>
-              <a:rPr lang="en-US" dirty="0"/>
-              <a:t>Dream</a:t>
-            </a:r>
-          </a:p>
-        </p:txBody>
-      </p:sp>
-      <p:sp>
-        <p:nvSpPr>
           <p:cNvPr id="2" name="Title 1">
             <a:extLst>
               <a:ext uri="{FF2B5EF4-FFF2-40B4-BE49-F238E27FC236}">
@@ -3463,17 +3371,19 @@
       </p:sp>
       <p:pic>
         <p:nvPicPr>
-          <p:cNvPr id="2052" name="Picture 4" descr="Man Reading Book, Looking Bored Stock Photo, Picture And Royalty Free  Image. Image 70778464.">
-            <a:extLst>
-              <a:ext uri="{FF2B5EF4-FFF2-40B4-BE49-F238E27FC236}">
-                <a16:creationId xmlns:a16="http://schemas.microsoft.com/office/drawing/2014/main" id="{7481D008-AB8B-4485-9C72-B813D90DA6BA}"/>
+          <p:cNvPr id="2054" name="Picture 6" descr="15 Interesting Books To Read That You Will Absolutely Enjoy">
+            <a:extLst>
+              <a:ext uri="{FF2B5EF4-FFF2-40B4-BE49-F238E27FC236}">
+                <a16:creationId xmlns:a16="http://schemas.microsoft.com/office/drawing/2014/main" id="{498393A5-88FE-42C9-9BA6-4E36AA4D669A}"/>
               </a:ext>
             </a:extLst>
           </p:cNvPr>
           <p:cNvPicPr>
-            <a:picLocks noChangeAspect="1" noChangeArrowheads="1"/>
+            <a:picLocks noGrp="1" noChangeAspect="1" noChangeArrowheads="1"/>
           </p:cNvPicPr>
-          <p:nvPr/>
+          <p:nvPr>
+            <p:ph idx="1"/>
+          </p:nvPr>
         </p:nvPicPr>
         <p:blipFill>
           <a:blip r:embed="rId2">
@@ -3490,62 +3400,21 @@
         </p:blipFill>
         <p:spPr bwMode="auto">
           <a:xfrm>
-            <a:off x="7454903" y="4226551"/>
-            <a:ext cx="3201066" cy="2134702"/>
+            <a:off x="703033" y="2761861"/>
+            <a:ext cx="5248472" cy="3498980"/>
           </a:xfrm>
           <a:prstGeom prst="rect">
             <a:avLst/>
           </a:prstGeom>
           <a:noFill/>
-          <a:extLst>
-            <a:ext uri="{909E8E84-426E-40DD-AFC4-6F175D3DCCD1}">
-              <a14:hiddenFill xmlns:a14="http://schemas.microsoft.com/office/drawing/2010/main">
-                <a:solidFill>
-                  <a:srgbClr val="FFFFFF"/>
-                </a:solidFill>
-              </a14:hiddenFill>
-            </a:ext>
-          </a:extLst>
-        </p:spPr>
-      </p:pic>
-      <p:pic>
-        <p:nvPicPr>
-          <p:cNvPr id="2054" name="Picture 6" descr="15 Interesting Books To Read That You Will Absolutely Enjoy">
-            <a:extLst>
-              <a:ext uri="{FF2B5EF4-FFF2-40B4-BE49-F238E27FC236}">
-                <a16:creationId xmlns:a16="http://schemas.microsoft.com/office/drawing/2014/main" id="{498393A5-88FE-42C9-9BA6-4E36AA4D669A}"/>
-              </a:ext>
-            </a:extLst>
-          </p:cNvPr>
-          <p:cNvPicPr>
-            <a:picLocks noGrp="1" noChangeAspect="1" noChangeArrowheads="1"/>
-          </p:cNvPicPr>
-          <p:nvPr>
-            <p:ph idx="1"/>
-          </p:nvPr>
-        </p:nvPicPr>
-        <p:blipFill>
-          <a:blip r:embed="rId3">
-            <a:extLst>
-              <a:ext uri="{28A0092B-C50C-407E-A947-70E740481C1C}">
-                <a14:useLocalDpi xmlns:a14="http://schemas.microsoft.com/office/drawing/2010/main" val="0"/>
-              </a:ext>
-            </a:extLst>
-          </a:blip>
-          <a:srcRect/>
-          <a:stretch>
-            <a:fillRect/>
-          </a:stretch>
-        </p:blipFill>
-        <p:spPr bwMode="auto">
-          <a:xfrm>
-            <a:off x="1701409" y="2107054"/>
-            <a:ext cx="3201066" cy="2134043"/>
-          </a:xfrm>
-          <a:prstGeom prst="rect">
-            <a:avLst/>
-          </a:prstGeom>
-          <a:noFill/>
+          <a:ln>
+            <a:solidFill>
+              <a:schemeClr val="accent2">
+                <a:lumMod val="60000"/>
+                <a:lumOff val="40000"/>
+              </a:schemeClr>
+            </a:solidFill>
+          </a:ln>
           <a:extLst>
             <a:ext uri="{909E8E84-426E-40DD-AFC4-6F175D3DCCD1}">
               <a14:hiddenFill xmlns:a14="http://schemas.microsoft.com/office/drawing/2010/main">
@@ -3572,7 +3441,7 @@
           <p:nvPr/>
         </p:nvPicPr>
         <p:blipFill>
-          <a:blip r:embed="rId4">
+          <a:blip r:embed="rId3">
             <a:extLst>
               <a:ext uri="{28A0092B-C50C-407E-A947-70E740481C1C}">
                 <a14:useLocalDpi xmlns:a14="http://schemas.microsoft.com/office/drawing/2010/main" val="0"/>
@@ -3586,13 +3455,20 @@
         </p:blipFill>
         <p:spPr bwMode="auto">
           <a:xfrm>
-            <a:off x="1701409" y="4397767"/>
-            <a:ext cx="3186260" cy="1792271"/>
+            <a:off x="6096000" y="1970448"/>
+            <a:ext cx="5669729" cy="3189222"/>
           </a:xfrm>
           <a:prstGeom prst="rect">
             <a:avLst/>
           </a:prstGeom>
           <a:noFill/>
+          <a:ln>
+            <a:solidFill>
+              <a:schemeClr val="accent1">
+                <a:lumMod val="75000"/>
+              </a:schemeClr>
+            </a:solidFill>
+          </a:ln>
           <a:extLst>
             <a:ext uri="{909E8E84-426E-40DD-AFC4-6F175D3DCCD1}">
               <a14:hiddenFill xmlns:a14="http://schemas.microsoft.com/office/drawing/2010/main">
@@ -3604,95 +3480,43 @@
           </a:extLst>
         </p:spPr>
       </p:pic>
-      <p:pic>
-        <p:nvPicPr>
-          <p:cNvPr id="2058" name="Picture 10" descr="3 bước đơn giản để làm cho con không còn ghét đọc sách">
-            <a:extLst>
-              <a:ext uri="{FF2B5EF4-FFF2-40B4-BE49-F238E27FC236}">
-                <a16:creationId xmlns:a16="http://schemas.microsoft.com/office/drawing/2014/main" id="{264736FB-4CA9-42C9-96AF-A96CD2ADC2F9}"/>
-              </a:ext>
-            </a:extLst>
-          </p:cNvPr>
-          <p:cNvPicPr>
-            <a:picLocks noChangeAspect="1" noChangeArrowheads="1"/>
-          </p:cNvPicPr>
+      <p:sp>
+        <p:nvSpPr>
+          <p:cNvPr id="3" name="TextBox 2">
+            <a:extLst>
+              <a:ext uri="{FF2B5EF4-FFF2-40B4-BE49-F238E27FC236}">
+                <a16:creationId xmlns:a16="http://schemas.microsoft.com/office/drawing/2014/main" id="{2461A4F8-893B-4D59-8D3C-FBD9E74F72DB}"/>
+              </a:ext>
+            </a:extLst>
+          </p:cNvPr>
+          <p:cNvSpPr txBox="1"/>
           <p:nvPr/>
-        </p:nvPicPr>
-        <p:blipFill>
-          <a:blip r:embed="rId5">
-            <a:extLst>
-              <a:ext uri="{28A0092B-C50C-407E-A947-70E740481C1C}">
-                <a14:useLocalDpi xmlns:a14="http://schemas.microsoft.com/office/drawing/2010/main" val="0"/>
-              </a:ext>
-            </a:extLst>
-          </a:blip>
-          <a:srcRect/>
-          <a:stretch>
-            <a:fillRect/>
-          </a:stretch>
-        </p:blipFill>
-        <p:spPr bwMode="auto">
+        </p:nvSpPr>
+        <p:spPr>
           <a:xfrm>
-            <a:off x="7454903" y="1970217"/>
-            <a:ext cx="3201066" cy="2134044"/>
+            <a:off x="703032" y="1739503"/>
+            <a:ext cx="1862885" cy="584775"/>
           </a:xfrm>
           <a:prstGeom prst="rect">
             <a:avLst/>
           </a:prstGeom>
-          <a:noFill/>
-          <a:extLst>
-            <a:ext uri="{909E8E84-426E-40DD-AFC4-6F175D3DCCD1}">
-              <a14:hiddenFill xmlns:a14="http://schemas.microsoft.com/office/drawing/2010/main">
-                <a:solidFill>
-                  <a:srgbClr val="FFFFFF"/>
-                </a:solidFill>
-              </a14:hiddenFill>
-            </a:ext>
-          </a:extLst>
+          <a:solidFill>
+            <a:srgbClr val="FF66FF"/>
+          </a:solidFill>
         </p:spPr>
-      </p:pic>
-      <p:cxnSp>
-        <p:nvCxnSpPr>
-          <p:cNvPr id="10" name="Connector: Curved 9">
-            <a:extLst>
-              <a:ext uri="{FF2B5EF4-FFF2-40B4-BE49-F238E27FC236}">
-                <a16:creationId xmlns:a16="http://schemas.microsoft.com/office/drawing/2014/main" id="{2A50E5D0-879C-46CE-9BF2-1BA810A3B23F}"/>
-              </a:ext>
-            </a:extLst>
-          </p:cNvPr>
-          <p:cNvCxnSpPr>
-            <a:cxnSpLocks/>
-            <a:stCxn id="5" idx="3"/>
-          </p:cNvCxnSpPr>
-          <p:nvPr/>
-        </p:nvCxnSpPr>
-        <p:spPr>
-          <a:xfrm flipV="1">
-            <a:off x="5033127" y="2913047"/>
-            <a:ext cx="2304606" cy="1107648"/>
-          </a:xfrm>
-          <a:prstGeom prst="curvedConnector3">
-            <a:avLst/>
-          </a:prstGeom>
-          <a:ln>
-            <a:tailEnd type="triangle"/>
-          </a:ln>
-        </p:spPr>
-        <p:style>
-          <a:lnRef idx="1">
-            <a:schemeClr val="accent1"/>
-          </a:lnRef>
-          <a:fillRef idx="0">
-            <a:schemeClr val="accent1"/>
-          </a:fillRef>
-          <a:effectRef idx="0">
-            <a:schemeClr val="accent1"/>
-          </a:effectRef>
-          <a:fontRef idx="minor">
-            <a:schemeClr val="tx1"/>
-          </a:fontRef>
-        </p:style>
-      </p:cxnSp>
+        <p:txBody>
+          <a:bodyPr wrap="square" rtlCol="0">
+            <a:spAutoFit/>
+          </a:bodyPr>
+          <a:lstStyle/>
+          <a:p>
+            <a:r>
+              <a:rPr lang="en-US" sz="3200" dirty="0"/>
+              <a:t>You think</a:t>
+            </a:r>
+          </a:p>
+        </p:txBody>
+      </p:sp>
     </p:spTree>
     <p:extLst>
       <p:ext uri="{BB962C8B-B14F-4D97-AF65-F5344CB8AC3E}">
@@ -3728,6 +3552,164 @@
           <p:cNvPr id="2" name="Title 1">
             <a:extLst>
               <a:ext uri="{FF2B5EF4-FFF2-40B4-BE49-F238E27FC236}">
+                <a16:creationId xmlns:a16="http://schemas.microsoft.com/office/drawing/2014/main" id="{35ECAE60-DA2B-4B5D-99E5-53702BB5878A}"/>
+              </a:ext>
+            </a:extLst>
+          </p:cNvPr>
+          <p:cNvSpPr>
+            <a:spLocks noGrp="1"/>
+          </p:cNvSpPr>
+          <p:nvPr>
+            <p:ph type="title"/>
+          </p:nvPr>
+        </p:nvSpPr>
+        <p:spPr/>
+        <p:txBody>
+          <a:bodyPr/>
+          <a:lstStyle/>
+          <a:p>
+            <a:r>
+              <a:rPr lang="en-US" dirty="0"/>
+              <a:t>Notes – Change method</a:t>
+            </a:r>
+          </a:p>
+        </p:txBody>
+      </p:sp>
+      <p:sp>
+        <p:nvSpPr>
+          <p:cNvPr id="3" name="Content Placeholder 2">
+            <a:extLst>
+              <a:ext uri="{FF2B5EF4-FFF2-40B4-BE49-F238E27FC236}">
+                <a16:creationId xmlns:a16="http://schemas.microsoft.com/office/drawing/2014/main" id="{FD33082B-98BE-4264-8A6B-65F69BDF7E00}"/>
+              </a:ext>
+            </a:extLst>
+          </p:cNvPr>
+          <p:cNvSpPr>
+            <a:spLocks noGrp="1"/>
+          </p:cNvSpPr>
+          <p:nvPr>
+            <p:ph idx="1"/>
+          </p:nvPr>
+        </p:nvSpPr>
+        <p:spPr>
+          <a:xfrm>
+            <a:off x="838200" y="1571102"/>
+            <a:ext cx="10515600" cy="4820272"/>
+          </a:xfrm>
+        </p:spPr>
+        <p:txBody>
+          <a:bodyPr/>
+          <a:lstStyle/>
+          <a:p>
+            <a:pPr marL="0" indent="0">
+              <a:buNone/>
+            </a:pPr>
+            <a:r>
+              <a:rPr lang="en-US" dirty="0"/>
+              <a:t>Param1 : </a:t>
+            </a:r>
+            <a:r>
+              <a:rPr lang="en-US" dirty="0" err="1"/>
+              <a:t>args</a:t>
+            </a:r>
+            <a:r>
+              <a:rPr lang="en-US" dirty="0"/>
+              <a:t> of method in smart contract</a:t>
+            </a:r>
+          </a:p>
+          <a:p>
+            <a:pPr marL="0" indent="0">
+              <a:buNone/>
+            </a:pPr>
+            <a:r>
+              <a:rPr lang="en-US" dirty="0"/>
+              <a:t>Param2: attached GAS (optional)</a:t>
+            </a:r>
+          </a:p>
+          <a:p>
+            <a:pPr marL="0" indent="0">
+              <a:buNone/>
+            </a:pPr>
+            <a:r>
+              <a:rPr lang="en-US" dirty="0"/>
+              <a:t>Param 3: attached deposit in </a:t>
+            </a:r>
+            <a:r>
+              <a:rPr lang="en-US" dirty="0" err="1"/>
+              <a:t>yoctoNear</a:t>
+            </a:r>
+            <a:r>
+              <a:rPr lang="en-US" dirty="0"/>
+              <a:t> (optional) </a:t>
+            </a:r>
+          </a:p>
+        </p:txBody>
+      </p:sp>
+      <p:pic>
+        <p:nvPicPr>
+          <p:cNvPr id="12" name="Picture 11">
+            <a:extLst>
+              <a:ext uri="{FF2B5EF4-FFF2-40B4-BE49-F238E27FC236}">
+                <a16:creationId xmlns:a16="http://schemas.microsoft.com/office/drawing/2014/main" id="{03F068AC-85D2-45F3-800A-2C5CA7CE6E55}"/>
+              </a:ext>
+            </a:extLst>
+          </p:cNvPr>
+          <p:cNvPicPr>
+            <a:picLocks noChangeAspect="1"/>
+          </p:cNvPicPr>
+          <p:nvPr/>
+        </p:nvPicPr>
+        <p:blipFill>
+          <a:blip r:embed="rId2"/>
+          <a:stretch>
+            <a:fillRect/>
+          </a:stretch>
+        </p:blipFill>
+        <p:spPr>
+          <a:xfrm>
+            <a:off x="838200" y="3064792"/>
+            <a:ext cx="9134475" cy="2990850"/>
+          </a:xfrm>
+          <a:prstGeom prst="rect">
+            <a:avLst/>
+          </a:prstGeom>
+        </p:spPr>
+      </p:pic>
+    </p:spTree>
+    <p:extLst>
+      <p:ext uri="{BB962C8B-B14F-4D97-AF65-F5344CB8AC3E}">
+        <p14:creationId xmlns:p14="http://schemas.microsoft.com/office/powerpoint/2010/main" val="1329572708"/>
+      </p:ext>
+    </p:extLst>
+  </p:cSld>
+  <p:clrMapOvr>
+    <a:masterClrMapping/>
+  </p:clrMapOvr>
+</p:sld>
+</file>
+
+<file path=ppt/slides/slide11.xml><?xml version="1.0" encoding="utf-8"?>
+<p:sld xmlns:a="http://schemas.openxmlformats.org/drawingml/2006/main" xmlns:r="http://schemas.openxmlformats.org/officeDocument/2006/relationships" xmlns:p="http://schemas.openxmlformats.org/presentationml/2006/main">
+  <p:cSld>
+    <p:spTree>
+      <p:nvGrpSpPr>
+        <p:cNvPr id="1" name=""/>
+        <p:cNvGrpSpPr/>
+        <p:nvPr/>
+      </p:nvGrpSpPr>
+      <p:grpSpPr>
+        <a:xfrm>
+          <a:off x="0" y="0"/>
+          <a:ext cx="0" cy="0"/>
+          <a:chOff x="0" y="0"/>
+          <a:chExt cx="0" cy="0"/>
+        </a:xfrm>
+      </p:grpSpPr>
+      <p:sp>
+        <p:nvSpPr>
+          <p:cNvPr id="2" name="Title 1">
+            <a:extLst>
+              <a:ext uri="{FF2B5EF4-FFF2-40B4-BE49-F238E27FC236}">
                 <a16:creationId xmlns:a16="http://schemas.microsoft.com/office/drawing/2014/main" id="{EF16F675-41DA-4FEC-82AF-069001C375A3}"/>
               </a:ext>
             </a:extLst>
@@ -3793,7 +3775,7 @@
 </p:sld>
 </file>
 
-<file path=ppt/slides/slide11.xml><?xml version="1.0" encoding="utf-8"?>
+<file path=ppt/slides/slide12.xml><?xml version="1.0" encoding="utf-8"?>
 <p:sld xmlns:a="http://schemas.openxmlformats.org/drawingml/2006/main" xmlns:r="http://schemas.openxmlformats.org/officeDocument/2006/relationships" xmlns:p="http://schemas.openxmlformats.org/presentationml/2006/main">
   <p:cSld>
     <p:spTree>
@@ -4252,7 +4234,7 @@
 </p:sld>
 </file>
 
-<file path=ppt/slides/slide12.xml><?xml version="1.0" encoding="utf-8"?>
+<file path=ppt/slides/slide13.xml><?xml version="1.0" encoding="utf-8"?>
 <p:sld xmlns:a="http://schemas.openxmlformats.org/drawingml/2006/main" xmlns:r="http://schemas.openxmlformats.org/officeDocument/2006/relationships" xmlns:p="http://schemas.openxmlformats.org/presentationml/2006/main">
   <p:cSld>
     <p:spTree>
@@ -4461,7 +4443,7 @@
 </p:sld>
 </file>
 
-<file path=ppt/slides/slide13.xml><?xml version="1.0" encoding="utf-8"?>
+<file path=ppt/slides/slide14.xml><?xml version="1.0" encoding="utf-8"?>
 <p:sld xmlns:a="http://schemas.openxmlformats.org/drawingml/2006/main" xmlns:r="http://schemas.openxmlformats.org/officeDocument/2006/relationships" xmlns:p="http://schemas.openxmlformats.org/presentationml/2006/main">
   <p:cSld>
     <p:spTree>
@@ -4577,7 +4559,7 @@
 </p:sld>
 </file>
 
-<file path=ppt/slides/slide14.xml><?xml version="1.0" encoding="utf-8"?>
+<file path=ppt/slides/slide15.xml><?xml version="1.0" encoding="utf-8"?>
 <p:sld xmlns:a="http://schemas.openxmlformats.org/drawingml/2006/main" xmlns:r="http://schemas.openxmlformats.org/officeDocument/2006/relationships" xmlns:p="http://schemas.openxmlformats.org/presentationml/2006/main">
   <p:cSld>
     <p:spTree>
@@ -4773,7 +4755,7 @@
 </p:sld>
 </file>
 
-<file path=ppt/slides/slide15.xml><?xml version="1.0" encoding="utf-8"?>
+<file path=ppt/slides/slide16.xml><?xml version="1.0" encoding="utf-8"?>
 <p:sld xmlns:a="http://schemas.openxmlformats.org/drawingml/2006/main" xmlns:r="http://schemas.openxmlformats.org/officeDocument/2006/relationships" xmlns:p="http://schemas.openxmlformats.org/presentationml/2006/main">
   <p:cSld>
     <p:spTree>
@@ -4962,6 +4944,195 @@
           <p:cNvPr id="2" name="Title 1">
             <a:extLst>
               <a:ext uri="{FF2B5EF4-FFF2-40B4-BE49-F238E27FC236}">
+                <a16:creationId xmlns:a16="http://schemas.microsoft.com/office/drawing/2014/main" id="{314787BD-59C6-4601-ACF0-05A79081FAC9}"/>
+              </a:ext>
+            </a:extLst>
+          </p:cNvPr>
+          <p:cNvSpPr>
+            <a:spLocks noGrp="1"/>
+          </p:cNvSpPr>
+          <p:nvPr>
+            <p:ph type="title"/>
+          </p:nvPr>
+        </p:nvSpPr>
+        <p:spPr/>
+        <p:txBody>
+          <a:bodyPr/>
+          <a:lstStyle/>
+          <a:p>
+            <a:endParaRPr lang="en-US" dirty="0"/>
+          </a:p>
+        </p:txBody>
+      </p:sp>
+      <p:pic>
+        <p:nvPicPr>
+          <p:cNvPr id="5" name="Picture 4" descr="Man Reading Book, Looking Bored Stock Photo, Picture And Royalty Free  Image. Image 70778464.">
+            <a:extLst>
+              <a:ext uri="{FF2B5EF4-FFF2-40B4-BE49-F238E27FC236}">
+                <a16:creationId xmlns:a16="http://schemas.microsoft.com/office/drawing/2014/main" id="{5878D15C-D62C-46C9-9325-548A11D7356C}"/>
+              </a:ext>
+            </a:extLst>
+          </p:cNvPr>
+          <p:cNvPicPr>
+            <a:picLocks noChangeAspect="1" noChangeArrowheads="1"/>
+          </p:cNvPicPr>
+          <p:nvPr/>
+        </p:nvPicPr>
+        <p:blipFill>
+          <a:blip r:embed="rId2">
+            <a:extLst>
+              <a:ext uri="{28A0092B-C50C-407E-A947-70E740481C1C}">
+                <a14:useLocalDpi xmlns:a14="http://schemas.microsoft.com/office/drawing/2010/main" val="0"/>
+              </a:ext>
+            </a:extLst>
+          </a:blip>
+          <a:srcRect/>
+          <a:stretch>
+            <a:fillRect/>
+          </a:stretch>
+        </p:blipFill>
+        <p:spPr bwMode="auto">
+          <a:xfrm>
+            <a:off x="6578852" y="2166008"/>
+            <a:ext cx="5080846" cy="3388275"/>
+          </a:xfrm>
+          <a:prstGeom prst="rect">
+            <a:avLst/>
+          </a:prstGeom>
+          <a:noFill/>
+          <a:extLst>
+            <a:ext uri="{909E8E84-426E-40DD-AFC4-6F175D3DCCD1}">
+              <a14:hiddenFill xmlns:a14="http://schemas.microsoft.com/office/drawing/2010/main">
+                <a:solidFill>
+                  <a:srgbClr val="FFFFFF"/>
+                </a:solidFill>
+              </a14:hiddenFill>
+            </a:ext>
+          </a:extLst>
+        </p:spPr>
+      </p:pic>
+      <p:pic>
+        <p:nvPicPr>
+          <p:cNvPr id="6" name="Picture 10" descr="3 bước đơn giản để làm cho con không còn ghét đọc sách">
+            <a:extLst>
+              <a:ext uri="{FF2B5EF4-FFF2-40B4-BE49-F238E27FC236}">
+                <a16:creationId xmlns:a16="http://schemas.microsoft.com/office/drawing/2014/main" id="{D65AD0B2-5DC9-4CEC-8DA5-620AA843D6A6}"/>
+              </a:ext>
+            </a:extLst>
+          </p:cNvPr>
+          <p:cNvPicPr>
+            <a:picLocks noChangeAspect="1" noChangeArrowheads="1"/>
+          </p:cNvPicPr>
+          <p:nvPr/>
+        </p:nvPicPr>
+        <p:blipFill>
+          <a:blip r:embed="rId3">
+            <a:extLst>
+              <a:ext uri="{28A0092B-C50C-407E-A947-70E740481C1C}">
+                <a14:useLocalDpi xmlns:a14="http://schemas.microsoft.com/office/drawing/2010/main" val="0"/>
+              </a:ext>
+            </a:extLst>
+          </a:blip>
+          <a:srcRect/>
+          <a:stretch>
+            <a:fillRect/>
+          </a:stretch>
+        </p:blipFill>
+        <p:spPr bwMode="auto">
+          <a:xfrm>
+            <a:off x="996818" y="2967135"/>
+            <a:ext cx="5288611" cy="3525740"/>
+          </a:xfrm>
+          <a:prstGeom prst="rect">
+            <a:avLst/>
+          </a:prstGeom>
+          <a:noFill/>
+          <a:extLst>
+            <a:ext uri="{909E8E84-426E-40DD-AFC4-6F175D3DCCD1}">
+              <a14:hiddenFill xmlns:a14="http://schemas.microsoft.com/office/drawing/2010/main">
+                <a:solidFill>
+                  <a:srgbClr val="FFFFFF"/>
+                </a:solidFill>
+              </a14:hiddenFill>
+            </a:ext>
+          </a:extLst>
+        </p:spPr>
+      </p:pic>
+      <p:sp>
+        <p:nvSpPr>
+          <p:cNvPr id="7" name="TextBox 6">
+            <a:extLst>
+              <a:ext uri="{FF2B5EF4-FFF2-40B4-BE49-F238E27FC236}">
+                <a16:creationId xmlns:a16="http://schemas.microsoft.com/office/drawing/2014/main" id="{4939D37D-5775-4700-BA28-84A6CA7E9E1F}"/>
+              </a:ext>
+            </a:extLst>
+          </p:cNvPr>
+          <p:cNvSpPr txBox="1"/>
+          <p:nvPr/>
+        </p:nvSpPr>
+        <p:spPr>
+          <a:xfrm>
+            <a:off x="914400" y="2167054"/>
+            <a:ext cx="1343608" cy="584775"/>
+          </a:xfrm>
+          <a:prstGeom prst="rect">
+            <a:avLst/>
+          </a:prstGeom>
+          <a:solidFill>
+            <a:schemeClr val="accent1">
+              <a:lumMod val="60000"/>
+              <a:lumOff val="40000"/>
+            </a:schemeClr>
+          </a:solidFill>
+        </p:spPr>
+        <p:txBody>
+          <a:bodyPr wrap="square" rtlCol="0">
+            <a:spAutoFit/>
+          </a:bodyPr>
+          <a:lstStyle/>
+          <a:p>
+            <a:r>
+              <a:rPr lang="en-US" sz="3200" dirty="0"/>
+              <a:t>In fact</a:t>
+            </a:r>
+          </a:p>
+        </p:txBody>
+      </p:sp>
+    </p:spTree>
+    <p:extLst>
+      <p:ext uri="{BB962C8B-B14F-4D97-AF65-F5344CB8AC3E}">
+        <p14:creationId xmlns:p14="http://schemas.microsoft.com/office/powerpoint/2010/main" val="1560970328"/>
+      </p:ext>
+    </p:extLst>
+  </p:cSld>
+  <p:clrMapOvr>
+    <a:masterClrMapping/>
+  </p:clrMapOvr>
+</p:sld>
+</file>
+
+<file path=ppt/slides/slide3.xml><?xml version="1.0" encoding="utf-8"?>
+<p:sld xmlns:a="http://schemas.openxmlformats.org/drawingml/2006/main" xmlns:r="http://schemas.openxmlformats.org/officeDocument/2006/relationships" xmlns:p="http://schemas.openxmlformats.org/presentationml/2006/main">
+  <p:cSld>
+    <p:spTree>
+      <p:nvGrpSpPr>
+        <p:cNvPr id="1" name=""/>
+        <p:cNvGrpSpPr/>
+        <p:nvPr/>
+      </p:nvGrpSpPr>
+      <p:grpSpPr>
+        <a:xfrm>
+          <a:off x="0" y="0"/>
+          <a:ext cx="0" cy="0"/>
+          <a:chOff x="0" y="0"/>
+          <a:chExt cx="0" cy="0"/>
+        </a:xfrm>
+      </p:grpSpPr>
+      <p:sp>
+        <p:nvSpPr>
+          <p:cNvPr id="2" name="Title 1">
+            <a:extLst>
+              <a:ext uri="{FF2B5EF4-FFF2-40B4-BE49-F238E27FC236}">
                 <a16:creationId xmlns:a16="http://schemas.microsoft.com/office/drawing/2014/main" id="{486C9D00-1AAB-45F6-82AB-0BB9F96882D6}"/>
               </a:ext>
             </a:extLst>
@@ -5007,7 +5178,7 @@
         </p:blipFill>
         <p:spPr>
           <a:xfrm>
-            <a:off x="838200" y="1825624"/>
+            <a:off x="770486" y="1517714"/>
             <a:ext cx="4777332" cy="3264849"/>
           </a:xfrm>
           <a:prstGeom prst="rect">
@@ -5046,7 +5217,7 @@
         </p:blipFill>
         <p:spPr bwMode="auto">
           <a:xfrm>
-            <a:off x="8314441" y="1678447"/>
+            <a:off x="8424046" y="3255321"/>
             <a:ext cx="3572801" cy="3412026"/>
           </a:xfrm>
           <a:prstGeom prst="rect">
@@ -5062,76 +5233,29 @@
           </a:ln>
         </p:spPr>
       </p:pic>
-      <p:cxnSp>
-        <p:nvCxnSpPr>
-          <p:cNvPr id="8" name="Connector: Curved 7">
-            <a:extLst>
-              <a:ext uri="{FF2B5EF4-FFF2-40B4-BE49-F238E27FC236}">
-                <a16:creationId xmlns:a16="http://schemas.microsoft.com/office/drawing/2014/main" id="{1BCB3923-29B4-444F-9007-0B6CB8353402}"/>
-              </a:ext>
-            </a:extLst>
-          </p:cNvPr>
-          <p:cNvCxnSpPr>
-            <a:cxnSpLocks/>
-            <a:stCxn id="5" idx="3"/>
-            <a:endCxn id="9" idx="1"/>
-          </p:cNvCxnSpPr>
+      <p:sp>
+        <p:nvSpPr>
+          <p:cNvPr id="6" name="Thought Bubble: Cloud 5">
+            <a:extLst>
+              <a:ext uri="{FF2B5EF4-FFF2-40B4-BE49-F238E27FC236}">
+                <a16:creationId xmlns:a16="http://schemas.microsoft.com/office/drawing/2014/main" id="{108AE499-A3F2-4624-B0C4-98F883081AC9}"/>
+              </a:ext>
+            </a:extLst>
+          </p:cNvPr>
+          <p:cNvSpPr/>
           <p:nvPr/>
-        </p:nvCxnSpPr>
+        </p:nvSpPr>
         <p:spPr>
-          <a:xfrm flipV="1">
-            <a:off x="5615532" y="2722686"/>
-            <a:ext cx="1101895" cy="735363"/>
+          <a:xfrm>
+            <a:off x="5680846" y="1320465"/>
+            <a:ext cx="2743200" cy="2063995"/>
           </a:xfrm>
-          <a:prstGeom prst="curvedConnector3">
+          <a:prstGeom prst="cloudCallout">
             <a:avLst>
-              <a:gd name="adj1" fmla="val 50000"/>
+              <a:gd name="adj1" fmla="val 40051"/>
+              <a:gd name="adj2" fmla="val 63372"/>
             </a:avLst>
           </a:prstGeom>
-          <a:ln>
-            <a:tailEnd type="triangle"/>
-          </a:ln>
-        </p:spPr>
-        <p:style>
-          <a:lnRef idx="1">
-            <a:schemeClr val="accent1"/>
-          </a:lnRef>
-          <a:fillRef idx="0">
-            <a:schemeClr val="accent1"/>
-          </a:fillRef>
-          <a:effectRef idx="0">
-            <a:schemeClr val="accent1"/>
-          </a:effectRef>
-          <a:fontRef idx="minor">
-            <a:schemeClr val="tx1"/>
-          </a:fontRef>
-        </p:style>
-      </p:cxnSp>
-      <p:sp>
-        <p:nvSpPr>
-          <p:cNvPr id="9" name="Rectangle 8">
-            <a:extLst>
-              <a:ext uri="{FF2B5EF4-FFF2-40B4-BE49-F238E27FC236}">
-                <a16:creationId xmlns:a16="http://schemas.microsoft.com/office/drawing/2014/main" id="{BFF58386-85F4-4CD0-85FC-B120991D47D3}"/>
-              </a:ext>
-            </a:extLst>
-          </p:cNvPr>
-          <p:cNvSpPr/>
-          <p:nvPr/>
-        </p:nvSpPr>
-        <p:spPr>
-          <a:xfrm>
-            <a:off x="6717427" y="1690688"/>
-            <a:ext cx="1597014" cy="2063995"/>
-          </a:xfrm>
-          <a:prstGeom prst="rect">
-            <a:avLst/>
-          </a:prstGeom>
-          <a:solidFill>
-            <a:schemeClr val="accent2">
-              <a:lumMod val="75000"/>
-            </a:schemeClr>
-          </a:solidFill>
         </p:spPr>
         <p:style>
           <a:lnRef idx="2">
@@ -5156,11 +5280,58 @@
             <a:pPr algn="ctr"/>
             <a:r>
               <a:rPr lang="en-US" dirty="0"/>
-              <a:t>Read reviews from other and choose one for you</a:t>
-            </a:r>
-          </a:p>
-        </p:txBody>
-      </p:sp>
+              <a:t>Refer from others</a:t>
+            </a:r>
+          </a:p>
+        </p:txBody>
+      </p:sp>
+      <p:pic>
+        <p:nvPicPr>
+          <p:cNvPr id="1026" name="Picture 2" descr="Whisper Images | Free Vectors, Stock Photos &amp;amp; PSD">
+            <a:extLst>
+              <a:ext uri="{FF2B5EF4-FFF2-40B4-BE49-F238E27FC236}">
+                <a16:creationId xmlns:a16="http://schemas.microsoft.com/office/drawing/2014/main" id="{C6BFF76D-0194-45E3-ABF0-1B3E54264D34}"/>
+              </a:ext>
+            </a:extLst>
+          </p:cNvPr>
+          <p:cNvPicPr>
+            <a:picLocks noChangeAspect="1" noChangeArrowheads="1"/>
+          </p:cNvPicPr>
+          <p:nvPr/>
+        </p:nvPicPr>
+        <p:blipFill>
+          <a:blip r:embed="rId4">
+            <a:extLst>
+              <a:ext uri="{28A0092B-C50C-407E-A947-70E740481C1C}">
+                <a14:useLocalDpi xmlns:a14="http://schemas.microsoft.com/office/drawing/2010/main" val="0"/>
+              </a:ext>
+            </a:extLst>
+          </a:blip>
+          <a:srcRect/>
+          <a:stretch>
+            <a:fillRect/>
+          </a:stretch>
+        </p:blipFill>
+        <p:spPr bwMode="auto">
+          <a:xfrm>
+            <a:off x="8491759" y="1006416"/>
+            <a:ext cx="2789349" cy="1858081"/>
+          </a:xfrm>
+          <a:prstGeom prst="rect">
+            <a:avLst/>
+          </a:prstGeom>
+          <a:noFill/>
+          <a:extLst>
+            <a:ext uri="{909E8E84-426E-40DD-AFC4-6F175D3DCCD1}">
+              <a14:hiddenFill xmlns:a14="http://schemas.microsoft.com/office/drawing/2010/main">
+                <a:solidFill>
+                  <a:srgbClr val="FFFFFF"/>
+                </a:solidFill>
+              </a14:hiddenFill>
+            </a:ext>
+          </a:extLst>
+        </p:spPr>
+      </p:pic>
     </p:spTree>
     <p:extLst>
       <p:ext uri="{BB962C8B-B14F-4D97-AF65-F5344CB8AC3E}">
@@ -5174,7 +5345,7 @@
 </p:sld>
 </file>
 
-<file path=ppt/slides/slide3.xml><?xml version="1.0" encoding="utf-8"?>
+<file path=ppt/slides/slide4.xml><?xml version="1.0" encoding="utf-8"?>
 <p:sld xmlns:a="http://schemas.openxmlformats.org/drawingml/2006/main" xmlns:r="http://schemas.openxmlformats.org/officeDocument/2006/relationships" xmlns:p="http://schemas.openxmlformats.org/presentationml/2006/main">
   <p:cSld>
     <p:spTree>
@@ -5261,124 +5432,6 @@
 </p:sld>
 </file>
 
-<file path=ppt/slides/slide4.xml><?xml version="1.0" encoding="utf-8"?>
-<p:sld xmlns:a="http://schemas.openxmlformats.org/drawingml/2006/main" xmlns:r="http://schemas.openxmlformats.org/officeDocument/2006/relationships" xmlns:p="http://schemas.openxmlformats.org/presentationml/2006/main">
-  <p:cSld>
-    <p:spTree>
-      <p:nvGrpSpPr>
-        <p:cNvPr id="1" name=""/>
-        <p:cNvGrpSpPr/>
-        <p:nvPr/>
-      </p:nvGrpSpPr>
-      <p:grpSpPr>
-        <a:xfrm>
-          <a:off x="0" y="0"/>
-          <a:ext cx="0" cy="0"/>
-          <a:chOff x="0" y="0"/>
-          <a:chExt cx="0" cy="0"/>
-        </a:xfrm>
-      </p:grpSpPr>
-      <p:sp>
-        <p:nvSpPr>
-          <p:cNvPr id="2" name="Title 1">
-            <a:extLst>
-              <a:ext uri="{FF2B5EF4-FFF2-40B4-BE49-F238E27FC236}">
-                <a16:creationId xmlns:a16="http://schemas.microsoft.com/office/drawing/2014/main" id="{F5A7BF4D-A358-43E6-BBB3-91311C79C294}"/>
-              </a:ext>
-            </a:extLst>
-          </p:cNvPr>
-          <p:cNvSpPr>
-            <a:spLocks noGrp="1"/>
-          </p:cNvSpPr>
-          <p:nvPr>
-            <p:ph type="title"/>
-          </p:nvPr>
-        </p:nvSpPr>
-        <p:spPr/>
-        <p:txBody>
-          <a:bodyPr/>
-          <a:lstStyle/>
-          <a:p>
-            <a:r>
-              <a:rPr lang="en-US" dirty="0"/>
-              <a:t>What book reviews do</a:t>
-            </a:r>
-          </a:p>
-        </p:txBody>
-      </p:sp>
-      <p:sp>
-        <p:nvSpPr>
-          <p:cNvPr id="3" name="Content Placeholder 2">
-            <a:extLst>
-              <a:ext uri="{FF2B5EF4-FFF2-40B4-BE49-F238E27FC236}">
-                <a16:creationId xmlns:a16="http://schemas.microsoft.com/office/drawing/2014/main" id="{673AD46A-25A3-40D0-ADD1-701DC487CB1A}"/>
-              </a:ext>
-            </a:extLst>
-          </p:cNvPr>
-          <p:cNvSpPr>
-            <a:spLocks noGrp="1"/>
-          </p:cNvSpPr>
-          <p:nvPr>
-            <p:ph idx="1"/>
-          </p:nvPr>
-        </p:nvSpPr>
-        <p:spPr/>
-        <p:txBody>
-          <a:bodyPr/>
-          <a:lstStyle/>
-          <a:p>
-            <a:r>
-              <a:rPr lang="en-US" dirty="0"/>
-              <a:t>User can</a:t>
-            </a:r>
-          </a:p>
-          <a:p>
-            <a:pPr lvl="1"/>
-            <a:r>
-              <a:rPr lang="en-US" dirty="0"/>
-              <a:t>Add/edit/delete a book</a:t>
-            </a:r>
-          </a:p>
-          <a:p>
-            <a:pPr lvl="1"/>
-            <a:r>
-              <a:rPr lang="en-US" dirty="0"/>
-              <a:t>Add/edit/delete a review</a:t>
-            </a:r>
-          </a:p>
-          <a:p>
-            <a:pPr lvl="1"/>
-            <a:r>
-              <a:rPr lang="en-US" dirty="0"/>
-              <a:t>Upvote for books/reviews</a:t>
-            </a:r>
-          </a:p>
-          <a:p>
-            <a:pPr lvl="1"/>
-            <a:r>
-              <a:rPr lang="en-US" dirty="0"/>
-              <a:t>Donate for reviewer with a good review</a:t>
-            </a:r>
-          </a:p>
-          <a:p>
-            <a:pPr lvl="1"/>
-            <a:endParaRPr lang="en-US" dirty="0"/>
-          </a:p>
-        </p:txBody>
-      </p:sp>
-    </p:spTree>
-    <p:extLst>
-      <p:ext uri="{BB962C8B-B14F-4D97-AF65-F5344CB8AC3E}">
-        <p14:creationId xmlns:p14="http://schemas.microsoft.com/office/powerpoint/2010/main" val="3363005857"/>
-      </p:ext>
-    </p:extLst>
-  </p:cSld>
-  <p:clrMapOvr>
-    <a:masterClrMapping/>
-  </p:clrMapOvr>
-</p:sld>
-</file>
-
 <file path=ppt/slides/slide5.xml><?xml version="1.0" encoding="utf-8"?>
 <p:sld xmlns:a="http://schemas.openxmlformats.org/drawingml/2006/main" xmlns:r="http://schemas.openxmlformats.org/officeDocument/2006/relationships" xmlns:p="http://schemas.openxmlformats.org/presentationml/2006/main">
   <p:cSld>
@@ -5401,6 +5454,124 @@
           <p:cNvPr id="2" name="Title 1">
             <a:extLst>
               <a:ext uri="{FF2B5EF4-FFF2-40B4-BE49-F238E27FC236}">
+                <a16:creationId xmlns:a16="http://schemas.microsoft.com/office/drawing/2014/main" id="{F5A7BF4D-A358-43E6-BBB3-91311C79C294}"/>
+              </a:ext>
+            </a:extLst>
+          </p:cNvPr>
+          <p:cNvSpPr>
+            <a:spLocks noGrp="1"/>
+          </p:cNvSpPr>
+          <p:nvPr>
+            <p:ph type="title"/>
+          </p:nvPr>
+        </p:nvSpPr>
+        <p:spPr/>
+        <p:txBody>
+          <a:bodyPr/>
+          <a:lstStyle/>
+          <a:p>
+            <a:r>
+              <a:rPr lang="en-US" dirty="0"/>
+              <a:t>What book reviews do</a:t>
+            </a:r>
+          </a:p>
+        </p:txBody>
+      </p:sp>
+      <p:sp>
+        <p:nvSpPr>
+          <p:cNvPr id="3" name="Content Placeholder 2">
+            <a:extLst>
+              <a:ext uri="{FF2B5EF4-FFF2-40B4-BE49-F238E27FC236}">
+                <a16:creationId xmlns:a16="http://schemas.microsoft.com/office/drawing/2014/main" id="{673AD46A-25A3-40D0-ADD1-701DC487CB1A}"/>
+              </a:ext>
+            </a:extLst>
+          </p:cNvPr>
+          <p:cNvSpPr>
+            <a:spLocks noGrp="1"/>
+          </p:cNvSpPr>
+          <p:nvPr>
+            <p:ph idx="1"/>
+          </p:nvPr>
+        </p:nvSpPr>
+        <p:spPr/>
+        <p:txBody>
+          <a:bodyPr/>
+          <a:lstStyle/>
+          <a:p>
+            <a:r>
+              <a:rPr lang="en-US" dirty="0"/>
+              <a:t>User can</a:t>
+            </a:r>
+          </a:p>
+          <a:p>
+            <a:pPr lvl="1"/>
+            <a:r>
+              <a:rPr lang="en-US" dirty="0"/>
+              <a:t>Add/edit/delete a book</a:t>
+            </a:r>
+          </a:p>
+          <a:p>
+            <a:pPr lvl="1"/>
+            <a:r>
+              <a:rPr lang="en-US" dirty="0"/>
+              <a:t>Add/edit/delete a review</a:t>
+            </a:r>
+          </a:p>
+          <a:p>
+            <a:pPr lvl="1"/>
+            <a:r>
+              <a:rPr lang="en-US" dirty="0"/>
+              <a:t>Upvote for books/reviews</a:t>
+            </a:r>
+          </a:p>
+          <a:p>
+            <a:pPr lvl="1"/>
+            <a:r>
+              <a:rPr lang="en-US" dirty="0"/>
+              <a:t>Donate for reviewer with a good review</a:t>
+            </a:r>
+          </a:p>
+          <a:p>
+            <a:pPr lvl="1"/>
+            <a:endParaRPr lang="en-US" dirty="0"/>
+          </a:p>
+        </p:txBody>
+      </p:sp>
+    </p:spTree>
+    <p:extLst>
+      <p:ext uri="{BB962C8B-B14F-4D97-AF65-F5344CB8AC3E}">
+        <p14:creationId xmlns:p14="http://schemas.microsoft.com/office/powerpoint/2010/main" val="3363005857"/>
+      </p:ext>
+    </p:extLst>
+  </p:cSld>
+  <p:clrMapOvr>
+    <a:masterClrMapping/>
+  </p:clrMapOvr>
+</p:sld>
+</file>
+
+<file path=ppt/slides/slide6.xml><?xml version="1.0" encoding="utf-8"?>
+<p:sld xmlns:a="http://schemas.openxmlformats.org/drawingml/2006/main" xmlns:r="http://schemas.openxmlformats.org/officeDocument/2006/relationships" xmlns:p="http://schemas.openxmlformats.org/presentationml/2006/main">
+  <p:cSld>
+    <p:spTree>
+      <p:nvGrpSpPr>
+        <p:cNvPr id="1" name=""/>
+        <p:cNvGrpSpPr/>
+        <p:nvPr/>
+      </p:nvGrpSpPr>
+      <p:grpSpPr>
+        <a:xfrm>
+          <a:off x="0" y="0"/>
+          <a:ext cx="0" cy="0"/>
+          <a:chOff x="0" y="0"/>
+          <a:chExt cx="0" cy="0"/>
+        </a:xfrm>
+      </p:grpSpPr>
+      <p:sp>
+        <p:nvSpPr>
+          <p:cNvPr id="2" name="Title 1">
+            <a:extLst>
+              <a:ext uri="{FF2B5EF4-FFF2-40B4-BE49-F238E27FC236}">
                 <a16:creationId xmlns:a16="http://schemas.microsoft.com/office/drawing/2014/main" id="{A7C66207-479A-465A-8025-9F3B7309AB1A}"/>
               </a:ext>
             </a:extLst>
@@ -5500,7 +5671,7 @@
 </p:sld>
 </file>
 
-<file path=ppt/slides/slide6.xml><?xml version="1.0" encoding="utf-8"?>
+<file path=ppt/slides/slide7.xml><?xml version="1.0" encoding="utf-8"?>
 <p:sld xmlns:a="http://schemas.openxmlformats.org/drawingml/2006/main" xmlns:r="http://schemas.openxmlformats.org/officeDocument/2006/relationships" xmlns:p="http://schemas.openxmlformats.org/presentationml/2006/main">
   <p:cSld>
     <p:spTree>
@@ -6136,7 +6307,7 @@
 </p:sld>
 </file>
 
-<file path=ppt/slides/slide7.xml><?xml version="1.0" encoding="utf-8"?>
+<file path=ppt/slides/slide8.xml><?xml version="1.0" encoding="utf-8"?>
 <p:sld xmlns:a="http://schemas.openxmlformats.org/drawingml/2006/main" xmlns:r="http://schemas.openxmlformats.org/officeDocument/2006/relationships" xmlns:p="http://schemas.openxmlformats.org/presentationml/2006/main">
   <p:cSld>
     <p:spTree>
@@ -6355,7 +6526,7 @@
 </p:sld>
 </file>
 
-<file path=ppt/slides/slide8.xml><?xml version="1.0" encoding="utf-8"?>
+<file path=ppt/slides/slide9.xml><?xml version="1.0" encoding="utf-8"?>
 <p:sld xmlns:a="http://schemas.openxmlformats.org/drawingml/2006/main" xmlns:r="http://schemas.openxmlformats.org/officeDocument/2006/relationships" xmlns:p="http://schemas.openxmlformats.org/presentationml/2006/main">
   <p:cSld>
     <p:spTree>
@@ -7421,164 +7592,6 @@
 </p:sld>
 </file>
 
-<file path=ppt/slides/slide9.xml><?xml version="1.0" encoding="utf-8"?>
-<p:sld xmlns:a="http://schemas.openxmlformats.org/drawingml/2006/main" xmlns:r="http://schemas.openxmlformats.org/officeDocument/2006/relationships" xmlns:p="http://schemas.openxmlformats.org/presentationml/2006/main">
-  <p:cSld>
-    <p:spTree>
-      <p:nvGrpSpPr>
-        <p:cNvPr id="1" name=""/>
-        <p:cNvGrpSpPr/>
-        <p:nvPr/>
-      </p:nvGrpSpPr>
-      <p:grpSpPr>
-        <a:xfrm>
-          <a:off x="0" y="0"/>
-          <a:ext cx="0" cy="0"/>
-          <a:chOff x="0" y="0"/>
-          <a:chExt cx="0" cy="0"/>
-        </a:xfrm>
-      </p:grpSpPr>
-      <p:sp>
-        <p:nvSpPr>
-          <p:cNvPr id="2" name="Title 1">
-            <a:extLst>
-              <a:ext uri="{FF2B5EF4-FFF2-40B4-BE49-F238E27FC236}">
-                <a16:creationId xmlns:a16="http://schemas.microsoft.com/office/drawing/2014/main" id="{35ECAE60-DA2B-4B5D-99E5-53702BB5878A}"/>
-              </a:ext>
-            </a:extLst>
-          </p:cNvPr>
-          <p:cNvSpPr>
-            <a:spLocks noGrp="1"/>
-          </p:cNvSpPr>
-          <p:nvPr>
-            <p:ph type="title"/>
-          </p:nvPr>
-        </p:nvSpPr>
-        <p:spPr/>
-        <p:txBody>
-          <a:bodyPr/>
-          <a:lstStyle/>
-          <a:p>
-            <a:r>
-              <a:rPr lang="en-US" dirty="0"/>
-              <a:t>Notes – Change method</a:t>
-            </a:r>
-          </a:p>
-        </p:txBody>
-      </p:sp>
-      <p:sp>
-        <p:nvSpPr>
-          <p:cNvPr id="3" name="Content Placeholder 2">
-            <a:extLst>
-              <a:ext uri="{FF2B5EF4-FFF2-40B4-BE49-F238E27FC236}">
-                <a16:creationId xmlns:a16="http://schemas.microsoft.com/office/drawing/2014/main" id="{FD33082B-98BE-4264-8A6B-65F69BDF7E00}"/>
-              </a:ext>
-            </a:extLst>
-          </p:cNvPr>
-          <p:cNvSpPr>
-            <a:spLocks noGrp="1"/>
-          </p:cNvSpPr>
-          <p:nvPr>
-            <p:ph idx="1"/>
-          </p:nvPr>
-        </p:nvSpPr>
-        <p:spPr>
-          <a:xfrm>
-            <a:off x="838200" y="1571102"/>
-            <a:ext cx="10515600" cy="4820272"/>
-          </a:xfrm>
-        </p:spPr>
-        <p:txBody>
-          <a:bodyPr/>
-          <a:lstStyle/>
-          <a:p>
-            <a:pPr marL="0" indent="0">
-              <a:buNone/>
-            </a:pPr>
-            <a:r>
-              <a:rPr lang="en-US" dirty="0"/>
-              <a:t>Param1 : </a:t>
-            </a:r>
-            <a:r>
-              <a:rPr lang="en-US" dirty="0" err="1"/>
-              <a:t>args</a:t>
-            </a:r>
-            <a:r>
-              <a:rPr lang="en-US" dirty="0"/>
-              <a:t> of method in smart contract</a:t>
-            </a:r>
-          </a:p>
-          <a:p>
-            <a:pPr marL="0" indent="0">
-              <a:buNone/>
-            </a:pPr>
-            <a:r>
-              <a:rPr lang="en-US" dirty="0"/>
-              <a:t>Param2: attached GAS (optional)</a:t>
-            </a:r>
-          </a:p>
-          <a:p>
-            <a:pPr marL="0" indent="0">
-              <a:buNone/>
-            </a:pPr>
-            <a:r>
-              <a:rPr lang="en-US" dirty="0"/>
-              <a:t>Param 3: attached deposit in </a:t>
-            </a:r>
-            <a:r>
-              <a:rPr lang="en-US" dirty="0" err="1"/>
-              <a:t>yoctoNear</a:t>
-            </a:r>
-            <a:r>
-              <a:rPr lang="en-US" dirty="0"/>
-              <a:t> (optional) </a:t>
-            </a:r>
-          </a:p>
-        </p:txBody>
-      </p:sp>
-      <p:pic>
-        <p:nvPicPr>
-          <p:cNvPr id="12" name="Picture 11">
-            <a:extLst>
-              <a:ext uri="{FF2B5EF4-FFF2-40B4-BE49-F238E27FC236}">
-                <a16:creationId xmlns:a16="http://schemas.microsoft.com/office/drawing/2014/main" id="{03F068AC-85D2-45F3-800A-2C5CA7CE6E55}"/>
-              </a:ext>
-            </a:extLst>
-          </p:cNvPr>
-          <p:cNvPicPr>
-            <a:picLocks noChangeAspect="1"/>
-          </p:cNvPicPr>
-          <p:nvPr/>
-        </p:nvPicPr>
-        <p:blipFill>
-          <a:blip r:embed="rId2"/>
-          <a:stretch>
-            <a:fillRect/>
-          </a:stretch>
-        </p:blipFill>
-        <p:spPr>
-          <a:xfrm>
-            <a:off x="838200" y="3064792"/>
-            <a:ext cx="9134475" cy="2990850"/>
-          </a:xfrm>
-          <a:prstGeom prst="rect">
-            <a:avLst/>
-          </a:prstGeom>
-        </p:spPr>
-      </p:pic>
-    </p:spTree>
-    <p:extLst>
-      <p:ext uri="{BB962C8B-B14F-4D97-AF65-F5344CB8AC3E}">
-        <p14:creationId xmlns:p14="http://schemas.microsoft.com/office/powerpoint/2010/main" val="1329572708"/>
-      </p:ext>
-    </p:extLst>
-  </p:cSld>
-  <p:clrMapOvr>
-    <a:masterClrMapping/>
-  </p:clrMapOvr>
-</p:sld>
-</file>
-
 <file path=ppt/theme/theme1.xml><?xml version="1.0" encoding="utf-8"?>
 <a:theme xmlns:a="http://schemas.openxmlformats.org/drawingml/2006/main" name="Office Theme">
   <a:themeElements>
